--- a/SLIDE_WORD/AN_DANH_DT7_SLIDE.pptx
+++ b/SLIDE_WORD/AN_DANH_DT7_SLIDE.pptx
@@ -13166,14 +13166,14 @@
           <p:nvPr>
             <p:extLst>
               <p:ext uri="{D42A27DB-BD31-4B8C-83A1-F6EECF244321}">
-                <p14:modId xmlns:p14="http://schemas.microsoft.com/office/powerpoint/2010/main" val="2964079280"/>
+                <p14:modId xmlns:p14="http://schemas.microsoft.com/office/powerpoint/2010/main" val="3197771620"/>
               </p:ext>
             </p:extLst>
           </p:nvPr>
         </p:nvGraphicFramePr>
         <p:xfrm>
           <a:off x="2058406" y="4022538"/>
-          <a:ext cx="8247104" cy="1752300"/>
+          <a:ext cx="8247104" cy="2229940"/>
         </p:xfrm>
         <a:graphic>
           <a:graphicData uri="http://schemas.openxmlformats.org/drawingml/2006/table">
@@ -13654,6 +13654,7 @@
                     <a:bodyPr/>
                     <a:lstStyle/>
                     <a:p>
+                      <a:pPr algn="ctr"/>
                       <a:r>
                         <a:rPr lang="en-US" dirty="0"/>
                         <a:t>Nguyễn Hồng Ân</a:t>
@@ -13716,49 +13717,270 @@
                     <a:bodyPr/>
                     <a:lstStyle/>
                     <a:p>
+                      <a:pPr algn="ctr"/>
                       <a:r>
-                        <a:rPr lang="en-US" dirty="0" err="1"/>
+                        <a:rPr lang="en-US" sz="1800" kern="1200" dirty="0" err="1">
+                          <a:solidFill>
+                            <a:schemeClr val="dk1"/>
+                          </a:solidFill>
+                          <a:effectLst/>
+                          <a:latin typeface="+mn-lt"/>
+                          <a:ea typeface="+mn-ea"/>
+                          <a:cs typeface="+mn-cs"/>
+                        </a:rPr>
                         <a:t>Viết</a:t>
                       </a:r>
                       <a:r>
-                        <a:rPr lang="en-US" dirty="0"/>
-                        <a:t> demo app, slide </a:t>
+                        <a:rPr lang="en-US" sz="1800" kern="1200" dirty="0">
+                          <a:solidFill>
+                            <a:schemeClr val="dk1"/>
+                          </a:solidFill>
+                          <a:effectLst/>
+                          <a:latin typeface="+mn-lt"/>
+                          <a:ea typeface="+mn-ea"/>
+                          <a:cs typeface="+mn-cs"/>
+                        </a:rPr>
+                        <a:t> demo app, </a:t>
                       </a:r>
                       <a:r>
-                        <a:rPr lang="en-US" dirty="0" err="1"/>
+                        <a:rPr lang="en-US" sz="1800" kern="1200" dirty="0" err="1">
+                          <a:solidFill>
+                            <a:schemeClr val="dk1"/>
+                          </a:solidFill>
+                          <a:effectLst/>
+                          <a:latin typeface="+mn-lt"/>
+                          <a:ea typeface="+mn-ea"/>
+                          <a:cs typeface="+mn-cs"/>
+                        </a:rPr>
+                        <a:t>làm</a:t>
+                      </a:r>
+                      <a:r>
+                        <a:rPr lang="en-US" sz="1800" kern="1200" dirty="0">
+                          <a:solidFill>
+                            <a:schemeClr val="dk1"/>
+                          </a:solidFill>
+                          <a:effectLst/>
+                          <a:latin typeface="+mn-lt"/>
+                          <a:ea typeface="+mn-ea"/>
+                          <a:cs typeface="+mn-cs"/>
+                        </a:rPr>
+                        <a:t> slide </a:t>
+                      </a:r>
+                      <a:r>
+                        <a:rPr lang="en-US" sz="1800" kern="1200" dirty="0" err="1">
+                          <a:solidFill>
+                            <a:schemeClr val="dk1"/>
+                          </a:solidFill>
+                          <a:effectLst/>
+                          <a:latin typeface="+mn-lt"/>
+                          <a:ea typeface="+mn-ea"/>
+                          <a:cs typeface="+mn-cs"/>
+                        </a:rPr>
                         <a:t>thuyết</a:t>
                       </a:r>
                       <a:r>
-                        <a:rPr lang="en-US" dirty="0"/>
+                        <a:rPr lang="en-US" sz="1800" kern="1200" dirty="0">
+                          <a:solidFill>
+                            <a:schemeClr val="dk1"/>
+                          </a:solidFill>
+                          <a:effectLst/>
+                          <a:latin typeface="+mn-lt"/>
+                          <a:ea typeface="+mn-ea"/>
+                          <a:cs typeface="+mn-cs"/>
+                        </a:rPr>
                         <a:t> </a:t>
                       </a:r>
                       <a:r>
-                        <a:rPr lang="en-US" dirty="0" err="1"/>
+                        <a:rPr lang="en-US" sz="1800" kern="1200" dirty="0" err="1">
+                          <a:solidFill>
+                            <a:schemeClr val="dk1"/>
+                          </a:solidFill>
+                          <a:effectLst/>
+                          <a:latin typeface="+mn-lt"/>
+                          <a:ea typeface="+mn-ea"/>
+                          <a:cs typeface="+mn-cs"/>
+                        </a:rPr>
                         <a:t>trình</a:t>
                       </a:r>
                       <a:r>
-                        <a:rPr lang="en-US" dirty="0"/>
+                        <a:rPr lang="en-US" sz="1800" kern="1200" dirty="0">
+                          <a:solidFill>
+                            <a:schemeClr val="dk1"/>
+                          </a:solidFill>
+                          <a:effectLst/>
+                          <a:latin typeface="+mn-lt"/>
+                          <a:ea typeface="+mn-ea"/>
+                          <a:cs typeface="+mn-cs"/>
+                        </a:rPr>
                         <a:t>, </a:t>
                       </a:r>
                       <a:r>
-                        <a:rPr lang="en-US" dirty="0" err="1"/>
+                        <a:rPr lang="en-US" sz="1800" kern="1200" dirty="0" err="1">
+                          <a:solidFill>
+                            <a:schemeClr val="dk1"/>
+                          </a:solidFill>
+                          <a:effectLst/>
+                          <a:latin typeface="+mn-lt"/>
+                          <a:ea typeface="+mn-ea"/>
+                          <a:cs typeface="+mn-cs"/>
+                        </a:rPr>
                         <a:t>viết</a:t>
                       </a:r>
                       <a:r>
-                        <a:rPr lang="en-US" dirty="0"/>
+                        <a:rPr lang="en-US" sz="1800" kern="1200" dirty="0">
+                          <a:solidFill>
+                            <a:schemeClr val="dk1"/>
+                          </a:solidFill>
+                          <a:effectLst/>
+                          <a:latin typeface="+mn-lt"/>
+                          <a:ea typeface="+mn-ea"/>
+                          <a:cs typeface="+mn-cs"/>
+                        </a:rPr>
                         <a:t> </a:t>
                       </a:r>
                       <a:r>
-                        <a:rPr lang="en-US" dirty="0" err="1"/>
+                        <a:rPr lang="en-US" sz="1800" kern="1200" dirty="0" err="1">
+                          <a:solidFill>
+                            <a:schemeClr val="dk1"/>
+                          </a:solidFill>
+                          <a:effectLst/>
+                          <a:latin typeface="+mn-lt"/>
+                          <a:ea typeface="+mn-ea"/>
+                          <a:cs typeface="+mn-cs"/>
+                        </a:rPr>
                         <a:t>báo</a:t>
                       </a:r>
                       <a:r>
-                        <a:rPr lang="en-US" dirty="0"/>
+                        <a:rPr lang="en-US" sz="1800" kern="1200" dirty="0">
+                          <a:solidFill>
+                            <a:schemeClr val="dk1"/>
+                          </a:solidFill>
+                          <a:effectLst/>
+                          <a:latin typeface="+mn-lt"/>
+                          <a:ea typeface="+mn-ea"/>
+                          <a:cs typeface="+mn-cs"/>
+                        </a:rPr>
                         <a:t> </a:t>
                       </a:r>
                       <a:r>
-                        <a:rPr lang="en-US" dirty="0" err="1"/>
+                        <a:rPr lang="en-US" sz="1800" kern="1200" dirty="0" err="1">
+                          <a:solidFill>
+                            <a:schemeClr val="dk1"/>
+                          </a:solidFill>
+                          <a:effectLst/>
+                          <a:latin typeface="+mn-lt"/>
+                          <a:ea typeface="+mn-ea"/>
+                          <a:cs typeface="+mn-cs"/>
+                        </a:rPr>
                         <a:t>cáo</a:t>
+                      </a:r>
+                      <a:r>
+                        <a:rPr lang="en-US" sz="1800" kern="1200" dirty="0">
+                          <a:solidFill>
+                            <a:schemeClr val="dk1"/>
+                          </a:solidFill>
+                          <a:effectLst/>
+                          <a:latin typeface="+mn-lt"/>
+                          <a:ea typeface="+mn-ea"/>
+                          <a:cs typeface="+mn-cs"/>
+                        </a:rPr>
+                        <a:t>, </a:t>
+                      </a:r>
+                      <a:r>
+                        <a:rPr lang="en-US" sz="1800" kern="1200" dirty="0" err="1">
+                          <a:solidFill>
+                            <a:schemeClr val="dk1"/>
+                          </a:solidFill>
+                          <a:effectLst/>
+                          <a:latin typeface="+mn-lt"/>
+                          <a:ea typeface="+mn-ea"/>
+                          <a:cs typeface="+mn-cs"/>
+                        </a:rPr>
+                        <a:t>đưa</a:t>
+                      </a:r>
+                      <a:r>
+                        <a:rPr lang="en-US" sz="1800" kern="1200" dirty="0">
+                          <a:solidFill>
+                            <a:schemeClr val="dk1"/>
+                          </a:solidFill>
+                          <a:effectLst/>
+                          <a:latin typeface="+mn-lt"/>
+                          <a:ea typeface="+mn-ea"/>
+                          <a:cs typeface="+mn-cs"/>
+                        </a:rPr>
+                        <a:t> </a:t>
+                      </a:r>
+                      <a:r>
+                        <a:rPr lang="en-US" sz="1800" kern="1200" dirty="0" err="1">
+                          <a:solidFill>
+                            <a:schemeClr val="dk1"/>
+                          </a:solidFill>
+                          <a:effectLst/>
+                          <a:latin typeface="+mn-lt"/>
+                          <a:ea typeface="+mn-ea"/>
+                          <a:cs typeface="+mn-cs"/>
+                        </a:rPr>
+                        <a:t>nội</a:t>
+                      </a:r>
+                      <a:r>
+                        <a:rPr lang="en-US" sz="1800" kern="1200" dirty="0">
+                          <a:solidFill>
+                            <a:schemeClr val="dk1"/>
+                          </a:solidFill>
+                          <a:effectLst/>
+                          <a:latin typeface="+mn-lt"/>
+                          <a:ea typeface="+mn-ea"/>
+                          <a:cs typeface="+mn-cs"/>
+                        </a:rPr>
+                        <a:t> dung </a:t>
+                      </a:r>
+                      <a:r>
+                        <a:rPr lang="en-US" sz="1800" kern="1200" dirty="0" err="1">
+                          <a:solidFill>
+                            <a:schemeClr val="dk1"/>
+                          </a:solidFill>
+                          <a:effectLst/>
+                          <a:latin typeface="+mn-lt"/>
+                          <a:ea typeface="+mn-ea"/>
+                          <a:cs typeface="+mn-cs"/>
+                        </a:rPr>
+                        <a:t>lên</a:t>
+                      </a:r>
+                      <a:r>
+                        <a:rPr lang="en-US" sz="1800" kern="1200" dirty="0">
+                          <a:solidFill>
+                            <a:schemeClr val="dk1"/>
+                          </a:solidFill>
+                          <a:effectLst/>
+                          <a:latin typeface="+mn-lt"/>
+                          <a:ea typeface="+mn-ea"/>
+                          <a:cs typeface="+mn-cs"/>
+                        </a:rPr>
+                        <a:t> </a:t>
+                      </a:r>
+                      <a:r>
+                        <a:rPr lang="en-US" sz="1800" kern="1200" dirty="0" err="1">
+                          <a:solidFill>
+                            <a:schemeClr val="dk1"/>
+                          </a:solidFill>
+                          <a:effectLst/>
+                          <a:latin typeface="+mn-lt"/>
+                          <a:ea typeface="+mn-ea"/>
+                          <a:cs typeface="+mn-cs"/>
+                        </a:rPr>
+                        <a:t>Github</a:t>
+                      </a:r>
+                      <a:r>
+                        <a:rPr lang="en-US" sz="1800" kern="1200" dirty="0">
+                          <a:solidFill>
+                            <a:schemeClr val="dk1"/>
+                          </a:solidFill>
+                          <a:effectLst/>
+                          <a:latin typeface="+mn-lt"/>
+                          <a:ea typeface="+mn-ea"/>
+                          <a:cs typeface="+mn-cs"/>
+                        </a:rPr>
+                        <a:t> </a:t>
                       </a:r>
                       <a:endParaRPr lang="vi-VN" dirty="0"/>
                     </a:p>
@@ -13818,6 +14040,7 @@
                     <a:bodyPr/>
                     <a:lstStyle/>
                     <a:p>
+                      <a:pPr algn="ctr"/>
                       <a:r>
                         <a:rPr lang="en-US" dirty="0"/>
                         <a:t>50%</a:t>
@@ -13949,6 +14172,7 @@
                     <a:bodyPr/>
                     <a:lstStyle/>
                     <a:p>
+                      <a:pPr algn="ctr"/>
                       <a:r>
                         <a:rPr lang="en-US" dirty="0"/>
                         <a:t>Phan Văn Danh</a:t>
@@ -14011,87 +14235,280 @@
                     <a:bodyPr/>
                     <a:lstStyle/>
                     <a:p>
+                      <a:pPr algn="ctr"/>
                       <a:r>
-                        <a:rPr lang="en-US" dirty="0" err="1"/>
+                        <a:rPr lang="en-US" sz="1800" kern="1200" dirty="0" err="1">
+                          <a:solidFill>
+                            <a:schemeClr val="dk1"/>
+                          </a:solidFill>
+                          <a:effectLst/>
+                          <a:latin typeface="+mn-lt"/>
+                          <a:ea typeface="+mn-ea"/>
+                          <a:cs typeface="+mn-cs"/>
+                        </a:rPr>
                         <a:t>Tìm</a:t>
                       </a:r>
                       <a:r>
-                        <a:rPr lang="en-US" dirty="0"/>
+                        <a:rPr lang="en-US" sz="1800" kern="1200" dirty="0">
+                          <a:solidFill>
+                            <a:schemeClr val="dk1"/>
+                          </a:solidFill>
+                          <a:effectLst/>
+                          <a:latin typeface="+mn-lt"/>
+                          <a:ea typeface="+mn-ea"/>
+                          <a:cs typeface="+mn-cs"/>
+                        </a:rPr>
                         <a:t> </a:t>
                       </a:r>
                       <a:r>
-                        <a:rPr lang="en-US" dirty="0" err="1"/>
+                        <a:rPr lang="en-US" sz="1800" kern="1200" dirty="0" err="1">
+                          <a:solidFill>
+                            <a:schemeClr val="dk1"/>
+                          </a:solidFill>
+                          <a:effectLst/>
+                          <a:latin typeface="+mn-lt"/>
+                          <a:ea typeface="+mn-ea"/>
+                          <a:cs typeface="+mn-cs"/>
+                        </a:rPr>
                         <a:t>nguồn</a:t>
                       </a:r>
                       <a:r>
-                        <a:rPr lang="en-US" dirty="0"/>
+                        <a:rPr lang="en-US" sz="1800" kern="1200" dirty="0">
+                          <a:solidFill>
+                            <a:schemeClr val="dk1"/>
+                          </a:solidFill>
+                          <a:effectLst/>
+                          <a:latin typeface="+mn-lt"/>
+                          <a:ea typeface="+mn-ea"/>
+                          <a:cs typeface="+mn-cs"/>
+                        </a:rPr>
                         <a:t> </a:t>
                       </a:r>
                       <a:r>
-                        <a:rPr lang="en-US" dirty="0" err="1"/>
+                        <a:rPr lang="en-US" sz="1800" kern="1200" dirty="0" err="1">
+                          <a:solidFill>
+                            <a:schemeClr val="dk1"/>
+                          </a:solidFill>
+                          <a:effectLst/>
+                          <a:latin typeface="+mn-lt"/>
+                          <a:ea typeface="+mn-ea"/>
+                          <a:cs typeface="+mn-cs"/>
+                        </a:rPr>
                         <a:t>tham</a:t>
                       </a:r>
                       <a:r>
-                        <a:rPr lang="en-US" dirty="0"/>
+                        <a:rPr lang="en-US" sz="1800" kern="1200" dirty="0">
+                          <a:solidFill>
+                            <a:schemeClr val="dk1"/>
+                          </a:solidFill>
+                          <a:effectLst/>
+                          <a:latin typeface="+mn-lt"/>
+                          <a:ea typeface="+mn-ea"/>
+                          <a:cs typeface="+mn-cs"/>
+                        </a:rPr>
                         <a:t> </a:t>
                       </a:r>
                       <a:r>
-                        <a:rPr lang="en-US" dirty="0" err="1"/>
+                        <a:rPr lang="en-US" sz="1800" kern="1200" dirty="0" err="1">
+                          <a:solidFill>
+                            <a:schemeClr val="dk1"/>
+                          </a:solidFill>
+                          <a:effectLst/>
+                          <a:latin typeface="+mn-lt"/>
+                          <a:ea typeface="+mn-ea"/>
+                          <a:cs typeface="+mn-cs"/>
+                        </a:rPr>
                         <a:t>khảo</a:t>
                       </a:r>
                       <a:r>
-                        <a:rPr lang="en-US" dirty="0"/>
+                        <a:rPr lang="en-US" sz="1800" kern="1200" dirty="0">
+                          <a:solidFill>
+                            <a:schemeClr val="dk1"/>
+                          </a:solidFill>
+                          <a:effectLst/>
+                          <a:latin typeface="+mn-lt"/>
+                          <a:ea typeface="+mn-ea"/>
+                          <a:cs typeface="+mn-cs"/>
+                        </a:rPr>
                         <a:t>, </a:t>
                       </a:r>
                       <a:r>
-                        <a:rPr lang="en-US" dirty="0" err="1"/>
-                        <a:t>hỗ</a:t>
+                        <a:rPr lang="en-US" sz="1800" kern="1200" dirty="0" err="1">
+                          <a:solidFill>
+                            <a:schemeClr val="dk1"/>
+                          </a:solidFill>
+                          <a:effectLst/>
+                          <a:latin typeface="+mn-lt"/>
+                          <a:ea typeface="+mn-ea"/>
+                          <a:cs typeface="+mn-cs"/>
+                        </a:rPr>
+                        <a:t>viết</a:t>
                       </a:r>
                       <a:r>
-                        <a:rPr lang="en-US" dirty="0"/>
+                        <a:rPr lang="en-US" sz="1800" kern="1200" dirty="0">
+                          <a:solidFill>
+                            <a:schemeClr val="dk1"/>
+                          </a:solidFill>
+                          <a:effectLst/>
+                          <a:latin typeface="+mn-lt"/>
+                          <a:ea typeface="+mn-ea"/>
+                          <a:cs typeface="+mn-cs"/>
+                        </a:rPr>
                         <a:t> </a:t>
                       </a:r>
                       <a:r>
-                        <a:rPr lang="en-US" dirty="0" err="1"/>
-                        <a:t>trợ</a:t>
+                        <a:rPr lang="en-US" sz="1800" kern="1200" dirty="0" err="1">
+                          <a:solidFill>
+                            <a:schemeClr val="dk1"/>
+                          </a:solidFill>
+                          <a:effectLst/>
+                          <a:latin typeface="+mn-lt"/>
+                          <a:ea typeface="+mn-ea"/>
+                          <a:cs typeface="+mn-cs"/>
+                        </a:rPr>
+                        <a:t>báo</a:t>
                       </a:r>
                       <a:r>
-                        <a:rPr lang="en-US" dirty="0"/>
+                        <a:rPr lang="en-US" sz="1800" kern="1200" dirty="0">
+                          <a:solidFill>
+                            <a:schemeClr val="dk1"/>
+                          </a:solidFill>
+                          <a:effectLst/>
+                          <a:latin typeface="+mn-lt"/>
+                          <a:ea typeface="+mn-ea"/>
+                          <a:cs typeface="+mn-cs"/>
+                        </a:rPr>
                         <a:t> </a:t>
                       </a:r>
                       <a:r>
-                        <a:rPr lang="en-US" dirty="0" err="1"/>
+                        <a:rPr lang="en-US" sz="1800" kern="1200" dirty="0" err="1">
+                          <a:solidFill>
+                            <a:schemeClr val="dk1"/>
+                          </a:solidFill>
+                          <a:effectLst/>
+                          <a:latin typeface="+mn-lt"/>
+                          <a:ea typeface="+mn-ea"/>
+                          <a:cs typeface="+mn-cs"/>
+                        </a:rPr>
+                        <a:t>cáo</a:t>
+                      </a:r>
+                      <a:r>
+                        <a:rPr lang="en-US" sz="1800" kern="1200" dirty="0">
+                          <a:solidFill>
+                            <a:schemeClr val="dk1"/>
+                          </a:solidFill>
+                          <a:effectLst/>
+                          <a:latin typeface="+mn-lt"/>
+                          <a:ea typeface="+mn-ea"/>
+                          <a:cs typeface="+mn-cs"/>
+                        </a:rPr>
+                        <a:t>, </a:t>
+                      </a:r>
+                      <a:r>
+                        <a:rPr lang="en-US" sz="1800" kern="1200" dirty="0" err="1">
+                          <a:solidFill>
+                            <a:schemeClr val="dk1"/>
+                          </a:solidFill>
+                          <a:effectLst/>
+                          <a:latin typeface="+mn-lt"/>
+                          <a:ea typeface="+mn-ea"/>
+                          <a:cs typeface="+mn-cs"/>
+                        </a:rPr>
+                        <a:t>làm</a:t>
+                      </a:r>
+                      <a:r>
+                        <a:rPr lang="en-US" sz="1800" kern="1200" dirty="0">
+                          <a:solidFill>
+                            <a:schemeClr val="dk1"/>
+                          </a:solidFill>
+                          <a:effectLst/>
+                          <a:latin typeface="+mn-lt"/>
+                          <a:ea typeface="+mn-ea"/>
+                          <a:cs typeface="+mn-cs"/>
+                        </a:rPr>
+                        <a:t> slide </a:t>
+                      </a:r>
+                      <a:r>
+                        <a:rPr lang="en-US" sz="1800" kern="1200" dirty="0" err="1">
+                          <a:solidFill>
+                            <a:schemeClr val="dk1"/>
+                          </a:solidFill>
+                          <a:effectLst/>
+                          <a:latin typeface="+mn-lt"/>
+                          <a:ea typeface="+mn-ea"/>
+                          <a:cs typeface="+mn-cs"/>
+                        </a:rPr>
+                        <a:t>thuyết</a:t>
+                      </a:r>
+                      <a:r>
+                        <a:rPr lang="en-US" sz="1800" kern="1200" dirty="0">
+                          <a:solidFill>
+                            <a:schemeClr val="dk1"/>
+                          </a:solidFill>
+                          <a:effectLst/>
+                          <a:latin typeface="+mn-lt"/>
+                          <a:ea typeface="+mn-ea"/>
+                          <a:cs typeface="+mn-cs"/>
+                        </a:rPr>
+                        <a:t> </a:t>
+                      </a:r>
+                      <a:r>
+                        <a:rPr lang="en-US" sz="1800" kern="1200" dirty="0" err="1">
+                          <a:solidFill>
+                            <a:schemeClr val="dk1"/>
+                          </a:solidFill>
+                          <a:effectLst/>
+                          <a:latin typeface="+mn-lt"/>
+                          <a:ea typeface="+mn-ea"/>
+                          <a:cs typeface="+mn-cs"/>
+                        </a:rPr>
+                        <a:t>trình</a:t>
+                      </a:r>
+                      <a:r>
+                        <a:rPr lang="en-US" sz="1800" kern="1200" dirty="0">
+                          <a:solidFill>
+                            <a:schemeClr val="dk1"/>
+                          </a:solidFill>
+                          <a:effectLst/>
+                          <a:latin typeface="+mn-lt"/>
+                          <a:ea typeface="+mn-ea"/>
+                          <a:cs typeface="+mn-cs"/>
+                        </a:rPr>
+                        <a:t>, </a:t>
+                      </a:r>
+                      <a:r>
+                        <a:rPr lang="en-US" sz="1800" kern="1200" dirty="0" err="1">
+                          <a:solidFill>
+                            <a:schemeClr val="dk1"/>
+                          </a:solidFill>
+                          <a:effectLst/>
+                          <a:latin typeface="+mn-lt"/>
+                          <a:ea typeface="+mn-ea"/>
+                          <a:cs typeface="+mn-cs"/>
+                        </a:rPr>
                         <a:t>viết</a:t>
                       </a:r>
                       <a:r>
-                        <a:rPr lang="en-US" dirty="0"/>
-                        <a:t> app, </a:t>
+                        <a:rPr lang="en-US" sz="1800" kern="1200" dirty="0">
+                          <a:solidFill>
+                            <a:schemeClr val="dk1"/>
+                          </a:solidFill>
+                          <a:effectLst/>
+                          <a:latin typeface="+mn-lt"/>
+                          <a:ea typeface="+mn-ea"/>
+                          <a:cs typeface="+mn-cs"/>
+                        </a:rPr>
+                        <a:t> demo app </a:t>
                       </a:r>
-                      <a:r>
-                        <a:rPr lang="en-US" dirty="0" err="1"/>
-                        <a:t>viết</a:t>
-                      </a:r>
-                      <a:r>
-                        <a:rPr lang="en-US" dirty="0"/>
-                        <a:t> </a:t>
-                      </a:r>
-                      <a:r>
-                        <a:rPr lang="en-US" dirty="0" err="1"/>
-                        <a:t>báo</a:t>
-                      </a:r>
-                      <a:r>
-                        <a:rPr lang="en-US" dirty="0"/>
-                        <a:t> </a:t>
-                      </a:r>
-                      <a:r>
-                        <a:rPr lang="en-US" dirty="0" err="1"/>
-                        <a:t>cáo</a:t>
-                      </a:r>
-                      <a:r>
-                        <a:rPr lang="en-US" dirty="0"/>
-                        <a:t>, </a:t>
-                      </a:r>
-                      <a:endParaRPr lang="vi-VN" dirty="0"/>
+                      <a:endParaRPr lang="vi-VN" sz="1800" kern="1200" dirty="0">
+                        <a:solidFill>
+                          <a:schemeClr val="dk1"/>
+                        </a:solidFill>
+                        <a:effectLst/>
+                        <a:latin typeface="+mn-lt"/>
+                        <a:ea typeface="+mn-ea"/>
+                        <a:cs typeface="+mn-cs"/>
+                      </a:endParaRPr>
                     </a:p>
                   </a:txBody>
                   <a:tcPr>
@@ -14149,6 +14566,7 @@
                     <a:bodyPr/>
                     <a:lstStyle/>
                     <a:p>
+                      <a:pPr algn="ctr"/>
                       <a:r>
                         <a:rPr lang="en-US" dirty="0"/>
                         <a:t>50%</a:t>
